--- a/Workshop_Slides/Eagle CAD/Eagle CAD Workshop (4).pptx
+++ b/Workshop_Slides/Eagle CAD/Eagle CAD Workshop (4).pptx
@@ -9,6 +9,7 @@
     <p:sldId id="257" r:id="rId3"/>
     <p:sldId id="258" r:id="rId4"/>
     <p:sldId id="259" r:id="rId5"/>
+    <p:sldId id="260" r:id="rId6"/>
   </p:sldIdLst>
   <p:sldSz cx="9144000" cy="6858000" type="screen4x3"/>
   <p:notesSz cx="6858000" cy="9144000"/>
@@ -317,7 +318,7 @@
           <a:p>
             <a:fld id="{B3B53DAC-3A6D-4270-B5CE-9B660B940AF3}" type="datetimeFigureOut">
               <a:rPr lang="en-US" smtClean="0"/>
-              <a:t>9/20/2017</a:t>
+              <a:t>9/23/2017</a:t>
             </a:fld>
             <a:endParaRPr lang="en-US"/>
           </a:p>
@@ -511,7 +512,7 @@
           <a:p>
             <a:fld id="{B3B53DAC-3A6D-4270-B5CE-9B660B940AF3}" type="datetimeFigureOut">
               <a:rPr lang="en-US" smtClean="0"/>
-              <a:t>9/20/2017</a:t>
+              <a:t>9/23/2017</a:t>
             </a:fld>
             <a:endParaRPr lang="en-US"/>
           </a:p>
@@ -699,7 +700,7 @@
           <a:p>
             <a:fld id="{B3B53DAC-3A6D-4270-B5CE-9B660B940AF3}" type="datetimeFigureOut">
               <a:rPr lang="en-US" smtClean="0"/>
-              <a:t>9/20/2017</a:t>
+              <a:t>9/23/2017</a:t>
             </a:fld>
             <a:endParaRPr lang="en-US"/>
           </a:p>
@@ -928,7 +929,7 @@
           <a:p>
             <a:fld id="{B3B53DAC-3A6D-4270-B5CE-9B660B940AF3}" type="datetimeFigureOut">
               <a:rPr lang="en-US" smtClean="0"/>
-              <a:t>9/20/2017</a:t>
+              <a:t>9/23/2017</a:t>
             </a:fld>
             <a:endParaRPr lang="en-US"/>
           </a:p>
@@ -1209,7 +1210,7 @@
           <a:p>
             <a:fld id="{B3B53DAC-3A6D-4270-B5CE-9B660B940AF3}" type="datetimeFigureOut">
               <a:rPr lang="en-US" smtClean="0"/>
-              <a:t>9/20/2017</a:t>
+              <a:t>9/23/2017</a:t>
             </a:fld>
             <a:endParaRPr lang="en-US"/>
           </a:p>
@@ -1497,7 +1498,7 @@
           <a:p>
             <a:fld id="{B3B53DAC-3A6D-4270-B5CE-9B660B940AF3}" type="datetimeFigureOut">
               <a:rPr lang="en-US" smtClean="0"/>
-              <a:t>9/20/2017</a:t>
+              <a:t>9/23/2017</a:t>
             </a:fld>
             <a:endParaRPr lang="en-US"/>
           </a:p>
@@ -2051,7 +2052,7 @@
           <a:p>
             <a:fld id="{B3B53DAC-3A6D-4270-B5CE-9B660B940AF3}" type="datetimeFigureOut">
               <a:rPr lang="en-US" smtClean="0"/>
-              <a:t>9/20/2017</a:t>
+              <a:t>9/23/2017</a:t>
             </a:fld>
             <a:endParaRPr lang="en-US"/>
           </a:p>
@@ -2182,7 +2183,7 @@
           <a:p>
             <a:fld id="{B3B53DAC-3A6D-4270-B5CE-9B660B940AF3}" type="datetimeFigureOut">
               <a:rPr lang="en-US" smtClean="0"/>
-              <a:t>9/20/2017</a:t>
+              <a:t>9/23/2017</a:t>
             </a:fld>
             <a:endParaRPr lang="en-US"/>
           </a:p>
@@ -2332,7 +2333,7 @@
           <a:p>
             <a:fld id="{B3B53DAC-3A6D-4270-B5CE-9B660B940AF3}" type="datetimeFigureOut">
               <a:rPr lang="en-US" smtClean="0"/>
-              <a:t>9/20/2017</a:t>
+              <a:t>9/23/2017</a:t>
             </a:fld>
             <a:endParaRPr lang="en-US"/>
           </a:p>
@@ -2653,7 +2654,7 @@
           <a:p>
             <a:fld id="{B3B53DAC-3A6D-4270-B5CE-9B660B940AF3}" type="datetimeFigureOut">
               <a:rPr lang="en-US" smtClean="0"/>
-              <a:t>9/20/2017</a:t>
+              <a:t>9/23/2017</a:t>
             </a:fld>
             <a:endParaRPr lang="en-US"/>
           </a:p>
@@ -2950,7 +2951,7 @@
           <a:p>
             <a:fld id="{B3B53DAC-3A6D-4270-B5CE-9B660B940AF3}" type="datetimeFigureOut">
               <a:rPr lang="en-US" smtClean="0"/>
-              <a:t>9/20/2017</a:t>
+              <a:t>9/23/2017</a:t>
             </a:fld>
             <a:endParaRPr lang="en-US"/>
           </a:p>
@@ -3195,7 +3196,7 @@
           <a:p>
             <a:fld id="{B3B53DAC-3A6D-4270-B5CE-9B660B940AF3}" type="datetimeFigureOut">
               <a:rPr lang="en-US" smtClean="0"/>
-              <a:t>9/20/2017</a:t>
+              <a:t>9/23/2017</a:t>
             </a:fld>
             <a:endParaRPr lang="en-US"/>
           </a:p>
@@ -3700,10 +3701,14 @@
           <a:p>
             <a:r>
               <a:rPr lang="en-US" dirty="0" smtClean="0"/>
-              <a:t>Eagle CAD Workshop </a:t>
-            </a:r>
-            <a:r>
-              <a:rPr lang="en-US" dirty="0" smtClean="0"/>
+              <a:t>Eagle CAD </a:t>
+            </a:r>
+            <a:r>
+              <a:rPr lang="en-US" smtClean="0"/>
+              <a:t>Workshop </a:t>
+            </a:r>
+            <a:r>
+              <a:rPr lang="en-US" smtClean="0"/>
               <a:t>(4)</a:t>
             </a:r>
             <a:endParaRPr lang="en-US" dirty="0"/>
@@ -3727,11 +3732,7 @@
           <a:p>
             <a:r>
               <a:rPr lang="en-US" dirty="0" smtClean="0"/>
-              <a:t>How to Read: </a:t>
-            </a:r>
-            <a:r>
-              <a:rPr lang="en-US" dirty="0" smtClean="0"/>
-              <a:t>Switches</a:t>
+              <a:t>How to Read: Relays</a:t>
             </a:r>
             <a:endParaRPr lang="en-US" dirty="0"/>
           </a:p>
@@ -3791,7 +3792,7 @@
           <a:p>
             <a:r>
               <a:rPr lang="en-US" dirty="0" smtClean="0"/>
-              <a:t>Two Types of Switches</a:t>
+              <a:t>Relay</a:t>
             </a:r>
             <a:endParaRPr lang="en-US" dirty="0"/>
           </a:p>
@@ -3814,55 +3815,57 @@
           <a:p>
             <a:r>
               <a:rPr lang="en-US" dirty="0" smtClean="0"/>
-              <a:t>Push Button</a:t>
+              <a:t>Electromechanical Component</a:t>
+            </a:r>
+          </a:p>
+          <a:p>
+            <a:r>
+              <a:rPr lang="en-US" dirty="0" smtClean="0"/>
+              <a:t>Buffed-up transistor, but no polarity</a:t>
+            </a:r>
+          </a:p>
+          <a:p>
+            <a:r>
+              <a:rPr lang="en-US" dirty="0" smtClean="0"/>
+              <a:t>Anatomy of a relay</a:t>
             </a:r>
           </a:p>
           <a:p>
             <a:pPr lvl="1"/>
             <a:r>
               <a:rPr lang="en-US" dirty="0" smtClean="0"/>
-              <a:t>Push-close, push-open</a:t>
-            </a:r>
-          </a:p>
-          <a:p>
+              <a:t>Coil</a:t>
+            </a:r>
+          </a:p>
+          <a:p>
+            <a:pPr lvl="2"/>
             <a:r>
               <a:rPr lang="en-US" dirty="0" smtClean="0"/>
-              <a:t>Momentary</a:t>
+              <a:t>When current goes through, generates electro-magnetic field, acting as temporary magnet for contact to close</a:t>
             </a:r>
           </a:p>
           <a:p>
             <a:pPr lvl="1"/>
             <a:r>
               <a:rPr lang="en-US" dirty="0" smtClean="0"/>
-              <a:t>Push-and-hold to close</a:t>
-            </a:r>
-          </a:p>
-          <a:p>
-            <a:pPr lvl="1"/>
+              <a:t>Contact</a:t>
+            </a:r>
+          </a:p>
+          <a:p>
+            <a:pPr lvl="2"/>
             <a:r>
               <a:rPr lang="en-US" dirty="0" smtClean="0"/>
-              <a:t>Lift to open</a:t>
-            </a:r>
-          </a:p>
-          <a:p>
+              <a:t>The pathway for actual electrical current.</a:t>
+            </a:r>
+          </a:p>
+          <a:p>
+            <a:pPr lvl="2"/>
             <a:r>
               <a:rPr lang="en-US" dirty="0" smtClean="0"/>
-              <a:t>Remember close and open</a:t>
-            </a:r>
-          </a:p>
-          <a:p>
-            <a:pPr lvl="1"/>
-            <a:r>
-              <a:rPr lang="en-US" dirty="0" smtClean="0"/>
-              <a:t>Close: Circuit has path to flow</a:t>
-            </a:r>
-          </a:p>
-          <a:p>
-            <a:pPr lvl="1"/>
-            <a:r>
-              <a:rPr lang="en-US" dirty="0" smtClean="0"/>
-              <a:t>Open: Circuit is opened and has no path to flow</a:t>
-            </a:r>
+              <a:t>Isolated from coil</a:t>
+            </a:r>
+          </a:p>
+          <a:p>
             <a:endParaRPr lang="en-US" dirty="0"/>
           </a:p>
         </p:txBody>
@@ -3870,7 +3873,7 @@
     </p:spTree>
     <p:extLst>
       <p:ext uri="{BB962C8B-B14F-4D97-AF65-F5344CB8AC3E}">
-        <p14:creationId xmlns:p14="http://schemas.microsoft.com/office/powerpoint/2010/main" val="3554575408"/>
+        <p14:creationId xmlns:p14="http://schemas.microsoft.com/office/powerpoint/2010/main" val="1342661510"/>
       </p:ext>
     </p:extLst>
   </p:cSld>
@@ -3914,7 +3917,7 @@
           <a:p>
             <a:r>
               <a:rPr lang="en-US" dirty="0" smtClean="0"/>
-              <a:t>Push and Throw</a:t>
+              <a:t>What to Read?</a:t>
             </a:r>
             <a:endParaRPr lang="en-US" dirty="0"/>
           </a:p>
@@ -3933,72 +3936,98 @@
         <p:spPr/>
         <p:txBody>
           <a:bodyPr>
-            <a:normAutofit lnSpcReduction="10000"/>
+            <a:normAutofit fontScale="85000" lnSpcReduction="20000"/>
           </a:bodyPr>
           <a:lstStyle/>
           <a:p>
             <a:r>
               <a:rPr lang="en-US" dirty="0" smtClean="0"/>
-              <a:t>Push side</a:t>
+              <a:t>Coil Type</a:t>
             </a:r>
           </a:p>
           <a:p>
             <a:pPr lvl="1"/>
             <a:r>
               <a:rPr lang="en-US" dirty="0" smtClean="0"/>
-              <a:t>Where current ‘enters’</a:t>
-            </a:r>
-          </a:p>
-          <a:p>
+              <a:t>Non-Latching</a:t>
+            </a:r>
+          </a:p>
+          <a:p>
+            <a:pPr lvl="2"/>
             <a:r>
               <a:rPr lang="en-US" dirty="0" smtClean="0"/>
-              <a:t>Throw side</a:t>
+              <a:t>Think of momentary switch</a:t>
             </a:r>
           </a:p>
           <a:p>
             <a:pPr lvl="1"/>
             <a:r>
               <a:rPr lang="en-US" dirty="0" smtClean="0"/>
-              <a:t>Where current ‘leaves’</a:t>
-            </a:r>
-          </a:p>
-          <a:p>
+              <a:t>Latching</a:t>
+            </a:r>
+          </a:p>
+          <a:p>
+            <a:pPr lvl="2"/>
             <a:r>
               <a:rPr lang="en-US" dirty="0" smtClean="0"/>
-              <a:t>Single push, single throw</a:t>
+              <a:t>Think of push-on push-off switch</a:t>
+            </a:r>
+          </a:p>
+          <a:p>
+            <a:r>
+              <a:rPr lang="en-US" dirty="0" smtClean="0"/>
+              <a:t>Coil Voltage</a:t>
             </a:r>
           </a:p>
           <a:p>
             <a:pPr lvl="1"/>
             <a:r>
               <a:rPr lang="en-US" dirty="0" smtClean="0"/>
-              <a:t>Single entrance, single exit</a:t>
+              <a:t>Maximum coil voltage to energize coil</a:t>
             </a:r>
           </a:p>
           <a:p>
             <a:r>
               <a:rPr lang="en-US" dirty="0" smtClean="0"/>
-              <a:t>Single push, double throw</a:t>
+              <a:t>Coil Current</a:t>
             </a:r>
           </a:p>
           <a:p>
             <a:pPr lvl="1"/>
             <a:r>
               <a:rPr lang="en-US" dirty="0" smtClean="0"/>
-              <a:t>Single entrance, double exit</a:t>
-            </a:r>
-          </a:p>
-          <a:p>
+              <a:t>MINIMUM coil current to energize coil</a:t>
+            </a:r>
+          </a:p>
+          <a:p>
+            <a:r>
+              <a:rPr lang="en-US" dirty="0"/>
+              <a:t>Switching </a:t>
+            </a:r>
             <a:r>
               <a:rPr lang="en-US" dirty="0" smtClean="0"/>
-              <a:t>Double push, single throw</a:t>
+              <a:t>Voltage</a:t>
             </a:r>
           </a:p>
           <a:p>
             <a:pPr lvl="1"/>
             <a:r>
               <a:rPr lang="en-US" dirty="0" smtClean="0"/>
-              <a:t>Double entrance, single exit</a:t>
+              <a:t>Maximum voltage for contact to operate without problem</a:t>
+            </a:r>
+            <a:endParaRPr lang="en-US" dirty="0"/>
+          </a:p>
+          <a:p>
+            <a:r>
+              <a:rPr lang="en-US" dirty="0" smtClean="0"/>
+              <a:t>Contact Rating</a:t>
+            </a:r>
+          </a:p>
+          <a:p>
+            <a:pPr lvl="1"/>
+            <a:r>
+              <a:rPr lang="en-US" dirty="0" smtClean="0"/>
+              <a:t>Maximum current for contact to operate without problem</a:t>
             </a:r>
             <a:endParaRPr lang="en-US" dirty="0"/>
           </a:p>
@@ -4007,7 +4036,7 @@
     </p:spTree>
     <p:extLst>
       <p:ext uri="{BB962C8B-B14F-4D97-AF65-F5344CB8AC3E}">
-        <p14:creationId xmlns:p14="http://schemas.microsoft.com/office/powerpoint/2010/main" val="2547822126"/>
+        <p14:creationId xmlns:p14="http://schemas.microsoft.com/office/powerpoint/2010/main" val="241548440"/>
       </p:ext>
     </p:extLst>
   </p:cSld>
@@ -4051,7 +4080,7 @@
           <a:p>
             <a:r>
               <a:rPr lang="en-US" dirty="0" smtClean="0"/>
-              <a:t>How To…</a:t>
+              <a:t>NC and NO</a:t>
             </a:r>
             <a:endParaRPr lang="en-US" dirty="0"/>
           </a:p>
@@ -4076,74 +4105,53 @@
           <a:p>
             <a:r>
               <a:rPr lang="en-US" dirty="0" smtClean="0"/>
-              <a:t>Differentiate pushbutton and momentary?</a:t>
+              <a:t>If you got a relay that is SPDT</a:t>
+            </a:r>
+          </a:p>
+          <a:p>
+            <a:r>
+              <a:rPr lang="en-US" dirty="0" smtClean="0"/>
+              <a:t>Or you got a relay that is SPST-NO</a:t>
+            </a:r>
+          </a:p>
+          <a:p>
+            <a:r>
+              <a:rPr lang="en-US" dirty="0" smtClean="0"/>
+              <a:t>NO</a:t>
             </a:r>
           </a:p>
           <a:p>
             <a:pPr lvl="1"/>
             <a:r>
               <a:rPr lang="en-US" dirty="0" smtClean="0"/>
-              <a:t>For Pushbutton</a:t>
-            </a:r>
-          </a:p>
-          <a:p>
-            <a:pPr lvl="2"/>
+              <a:t>Normally Opened</a:t>
+            </a:r>
+          </a:p>
+          <a:p>
+            <a:pPr lvl="1"/>
             <a:r>
               <a:rPr lang="en-US" dirty="0" smtClean="0"/>
-              <a:t>On-Off</a:t>
+              <a:t>Contact is in open position when coil is not energized</a:t>
+            </a:r>
+          </a:p>
+          <a:p>
+            <a:r>
+              <a:rPr lang="en-US" dirty="0" smtClean="0"/>
+              <a:t>NC</a:t>
             </a:r>
           </a:p>
           <a:p>
             <a:pPr lvl="1"/>
             <a:r>
               <a:rPr lang="en-US" dirty="0" smtClean="0"/>
-              <a:t>For Momentary</a:t>
-            </a:r>
-          </a:p>
-          <a:p>
-            <a:pPr lvl="2"/>
+              <a:t>Normally Closed</a:t>
+            </a:r>
+          </a:p>
+          <a:p>
+            <a:pPr lvl="1"/>
             <a:r>
               <a:rPr lang="en-US" dirty="0" smtClean="0"/>
-              <a:t>(On)-Off</a:t>
-            </a:r>
-          </a:p>
-          <a:p>
-            <a:pPr lvl="1"/>
-            <a:r>
-              <a:rPr lang="en-US" dirty="0" smtClean="0"/>
-              <a:t>If switch has more than one throw</a:t>
-            </a:r>
-          </a:p>
-          <a:p>
-            <a:pPr lvl="2"/>
-            <a:r>
-              <a:rPr lang="en-US" dirty="0" smtClean="0"/>
-              <a:t>On-Off-On</a:t>
-            </a:r>
-          </a:p>
-          <a:p>
-            <a:pPr lvl="2"/>
-            <a:r>
-              <a:rPr lang="en-US" dirty="0" smtClean="0"/>
-              <a:t>(On)-Off-(On)</a:t>
-            </a:r>
-          </a:p>
-          <a:p>
-            <a:pPr lvl="2"/>
-            <a:r>
-              <a:rPr lang="en-US" dirty="0" smtClean="0"/>
-              <a:t>(On)-Off-On</a:t>
-            </a:r>
-          </a:p>
-          <a:p>
-            <a:pPr lvl="2"/>
-            <a:r>
-              <a:rPr lang="en-US" dirty="0" err="1" smtClean="0"/>
-              <a:t>Etc</a:t>
-            </a:r>
-            <a:r>
-              <a:rPr lang="en-US" dirty="0" smtClean="0"/>
-              <a:t>…</a:t>
+              <a:t>Contact is in closed position when coil is not energized</a:t>
             </a:r>
             <a:endParaRPr lang="en-US" dirty="0"/>
           </a:p>
@@ -4152,7 +4160,125 @@
     </p:spTree>
     <p:extLst>
       <p:ext uri="{BB962C8B-B14F-4D97-AF65-F5344CB8AC3E}">
-        <p14:creationId xmlns:p14="http://schemas.microsoft.com/office/powerpoint/2010/main" val="1852949933"/>
+        <p14:creationId xmlns:p14="http://schemas.microsoft.com/office/powerpoint/2010/main" val="195671915"/>
+      </p:ext>
+    </p:extLst>
+  </p:cSld>
+  <p:clrMapOvr>
+    <a:masterClrMapping/>
+  </p:clrMapOvr>
+</p:sld>
+</file>
+
+<file path=ppt/slides/slide5.xml><?xml version="1.0" encoding="utf-8"?>
+<p:sld xmlns:a="http://schemas.openxmlformats.org/drawingml/2006/main" xmlns:r="http://schemas.openxmlformats.org/officeDocument/2006/relationships" xmlns:p="http://schemas.openxmlformats.org/presentationml/2006/main">
+  <p:cSld>
+    <p:spTree>
+      <p:nvGrpSpPr>
+        <p:cNvPr id="1" name=""/>
+        <p:cNvGrpSpPr/>
+        <p:nvPr/>
+      </p:nvGrpSpPr>
+      <p:grpSpPr>
+        <a:xfrm>
+          <a:off x="0" y="0"/>
+          <a:ext cx="0" cy="0"/>
+          <a:chOff x="0" y="0"/>
+          <a:chExt cx="0" cy="0"/>
+        </a:xfrm>
+      </p:grpSpPr>
+      <p:sp>
+        <p:nvSpPr>
+          <p:cNvPr id="2" name="Title 1"/>
+          <p:cNvSpPr>
+            <a:spLocks noGrp="1"/>
+          </p:cNvSpPr>
+          <p:nvPr>
+            <p:ph type="title"/>
+          </p:nvPr>
+        </p:nvSpPr>
+        <p:spPr/>
+        <p:txBody>
+          <a:bodyPr/>
+          <a:lstStyle/>
+          <a:p>
+            <a:r>
+              <a:rPr lang="en-US" dirty="0" smtClean="0"/>
+              <a:t>Troubleshooter</a:t>
+            </a:r>
+            <a:endParaRPr lang="en-US" dirty="0"/>
+          </a:p>
+        </p:txBody>
+      </p:sp>
+      <p:sp>
+        <p:nvSpPr>
+          <p:cNvPr id="3" name="Content Placeholder 2"/>
+          <p:cNvSpPr>
+            <a:spLocks noGrp="1"/>
+          </p:cNvSpPr>
+          <p:nvPr>
+            <p:ph idx="1"/>
+          </p:nvPr>
+        </p:nvSpPr>
+        <p:spPr/>
+        <p:txBody>
+          <a:bodyPr/>
+          <a:lstStyle/>
+          <a:p>
+            <a:r>
+              <a:rPr lang="en-US" dirty="0" smtClean="0"/>
+              <a:t>Its making clicking sound</a:t>
+            </a:r>
+          </a:p>
+          <a:p>
+            <a:pPr lvl="1"/>
+            <a:r>
+              <a:rPr lang="en-US" dirty="0" smtClean="0"/>
+              <a:t>Contact is rapidly opened and closed</a:t>
+            </a:r>
+          </a:p>
+          <a:p>
+            <a:pPr lvl="1"/>
+            <a:r>
+              <a:rPr lang="en-US" dirty="0" smtClean="0"/>
+              <a:t>Why?</a:t>
+            </a:r>
+          </a:p>
+          <a:p>
+            <a:pPr lvl="2"/>
+            <a:r>
+              <a:rPr lang="en-US" dirty="0" smtClean="0"/>
+              <a:t>Coil is constantly energized-discharged</a:t>
+            </a:r>
+          </a:p>
+          <a:p>
+            <a:pPr lvl="2"/>
+            <a:r>
+              <a:rPr lang="en-US" dirty="0" smtClean="0"/>
+              <a:t>If coil is constantly energized-discharged…</a:t>
+            </a:r>
+          </a:p>
+          <a:p>
+            <a:pPr lvl="2"/>
+            <a:r>
+              <a:rPr lang="en-US" dirty="0" smtClean="0"/>
+              <a:t>Means either current is varying or…</a:t>
+            </a:r>
+          </a:p>
+          <a:p>
+            <a:pPr lvl="2"/>
+            <a:r>
+              <a:rPr lang="en-US" dirty="0" smtClean="0"/>
+              <a:t>Voltage is dropping</a:t>
+            </a:r>
+            <a:endParaRPr lang="en-US" dirty="0"/>
+          </a:p>
+        </p:txBody>
+      </p:sp>
+    </p:spTree>
+    <p:extLst>
+      <p:ext uri="{BB962C8B-B14F-4D97-AF65-F5344CB8AC3E}">
+        <p14:creationId xmlns:p14="http://schemas.microsoft.com/office/powerpoint/2010/main" val="1448050702"/>
       </p:ext>
     </p:extLst>
   </p:cSld>
